--- a/Презентация.pptx
+++ b/Презентация.pptx
@@ -13,9 +13,8 @@
     <p:sldId id="261" r:id="rId7"/>
     <p:sldId id="262" r:id="rId8"/>
     <p:sldId id="263" r:id="rId9"/>
-    <p:sldId id="264" r:id="rId10"/>
-    <p:sldId id="265" r:id="rId11"/>
-    <p:sldId id="266" r:id="rId12"/>
+    <p:sldId id="265" r:id="rId10"/>
+    <p:sldId id="266" r:id="rId11"/>
   </p:sldIdLst>
   <p:sldSz cx="12192000" cy="6858000"/>
   <p:notesSz cx="6858000" cy="9144000"/>
@@ -253,7 +252,7 @@
           <a:p>
             <a:fld id="{368E17F1-59E1-4BE3-9D3C-E71BEA2F1B97}" type="datetimeFigureOut">
               <a:rPr lang="ru-RU" smtClean="0"/>
-              <a:t>пн 25.10.21</a:t>
+              <a:t>чт 11.11.21</a:t>
             </a:fld>
             <a:endParaRPr lang="ru-RU"/>
           </a:p>
@@ -423,7 +422,7 @@
           <a:p>
             <a:fld id="{368E17F1-59E1-4BE3-9D3C-E71BEA2F1B97}" type="datetimeFigureOut">
               <a:rPr lang="ru-RU" smtClean="0"/>
-              <a:t>пн 25.10.21</a:t>
+              <a:t>чт 11.11.21</a:t>
             </a:fld>
             <a:endParaRPr lang="ru-RU"/>
           </a:p>
@@ -603,7 +602,7 @@
           <a:p>
             <a:fld id="{368E17F1-59E1-4BE3-9D3C-E71BEA2F1B97}" type="datetimeFigureOut">
               <a:rPr lang="ru-RU" smtClean="0"/>
-              <a:t>пн 25.10.21</a:t>
+              <a:t>чт 11.11.21</a:t>
             </a:fld>
             <a:endParaRPr lang="ru-RU"/>
           </a:p>
@@ -773,7 +772,7 @@
           <a:p>
             <a:fld id="{368E17F1-59E1-4BE3-9D3C-E71BEA2F1B97}" type="datetimeFigureOut">
               <a:rPr lang="ru-RU" smtClean="0"/>
-              <a:t>пн 25.10.21</a:t>
+              <a:t>чт 11.11.21</a:t>
             </a:fld>
             <a:endParaRPr lang="ru-RU"/>
           </a:p>
@@ -1019,7 +1018,7 @@
           <a:p>
             <a:fld id="{368E17F1-59E1-4BE3-9D3C-E71BEA2F1B97}" type="datetimeFigureOut">
               <a:rPr lang="ru-RU" smtClean="0"/>
-              <a:t>пн 25.10.21</a:t>
+              <a:t>чт 11.11.21</a:t>
             </a:fld>
             <a:endParaRPr lang="ru-RU"/>
           </a:p>
@@ -1251,7 +1250,7 @@
           <a:p>
             <a:fld id="{368E17F1-59E1-4BE3-9D3C-E71BEA2F1B97}" type="datetimeFigureOut">
               <a:rPr lang="ru-RU" smtClean="0"/>
-              <a:t>пн 25.10.21</a:t>
+              <a:t>чт 11.11.21</a:t>
             </a:fld>
             <a:endParaRPr lang="ru-RU"/>
           </a:p>
@@ -1618,7 +1617,7 @@
           <a:p>
             <a:fld id="{368E17F1-59E1-4BE3-9D3C-E71BEA2F1B97}" type="datetimeFigureOut">
               <a:rPr lang="ru-RU" smtClean="0"/>
-              <a:t>пн 25.10.21</a:t>
+              <a:t>чт 11.11.21</a:t>
             </a:fld>
             <a:endParaRPr lang="ru-RU"/>
           </a:p>
@@ -1736,7 +1735,7 @@
           <a:p>
             <a:fld id="{368E17F1-59E1-4BE3-9D3C-E71BEA2F1B97}" type="datetimeFigureOut">
               <a:rPr lang="ru-RU" smtClean="0"/>
-              <a:t>пн 25.10.21</a:t>
+              <a:t>чт 11.11.21</a:t>
             </a:fld>
             <a:endParaRPr lang="ru-RU"/>
           </a:p>
@@ -1831,7 +1830,7 @@
           <a:p>
             <a:fld id="{368E17F1-59E1-4BE3-9D3C-E71BEA2F1B97}" type="datetimeFigureOut">
               <a:rPr lang="ru-RU" smtClean="0"/>
-              <a:t>пн 25.10.21</a:t>
+              <a:t>чт 11.11.21</a:t>
             </a:fld>
             <a:endParaRPr lang="ru-RU"/>
           </a:p>
@@ -2108,7 +2107,7 @@
           <a:p>
             <a:fld id="{368E17F1-59E1-4BE3-9D3C-E71BEA2F1B97}" type="datetimeFigureOut">
               <a:rPr lang="ru-RU" smtClean="0"/>
-              <a:t>пн 25.10.21</a:t>
+              <a:t>чт 11.11.21</a:t>
             </a:fld>
             <a:endParaRPr lang="ru-RU"/>
           </a:p>
@@ -2361,7 +2360,7 @@
           <a:p>
             <a:fld id="{368E17F1-59E1-4BE3-9D3C-E71BEA2F1B97}" type="datetimeFigureOut">
               <a:rPr lang="ru-RU" smtClean="0"/>
-              <a:t>пн 25.10.21</a:t>
+              <a:t>чт 11.11.21</a:t>
             </a:fld>
             <a:endParaRPr lang="ru-RU"/>
           </a:p>
@@ -2574,7 +2573,7 @@
           <a:p>
             <a:fld id="{368E17F1-59E1-4BE3-9D3C-E71BEA2F1B97}" type="datetimeFigureOut">
               <a:rPr lang="ru-RU" smtClean="0"/>
-              <a:t>пн 25.10.21</a:t>
+              <a:t>чт 11.11.21</a:t>
             </a:fld>
             <a:endParaRPr lang="ru-RU"/>
           </a:p>
@@ -3087,6 +3086,1074 @@
           <a:lstStyle/>
           <a:p>
             <a:r>
+              <a:rPr lang="ru-RU" dirty="0" smtClean="0"/>
+              <a:t>Дальнейшее развитие проекта</a:t>
+            </a:r>
+            <a:endParaRPr lang="ru-RU" dirty="0"/>
+          </a:p>
+        </p:txBody>
+      </p:sp>
+      <p:sp>
+        <p:nvSpPr>
+          <p:cNvPr id="3" name="Объект 2"/>
+          <p:cNvSpPr>
+            <a:spLocks noGrp="1"/>
+          </p:cNvSpPr>
+          <p:nvPr>
+            <p:ph idx="1"/>
+          </p:nvPr>
+        </p:nvSpPr>
+        <p:spPr/>
+        <p:txBody>
+          <a:bodyPr/>
+          <a:lstStyle/>
+          <a:p>
+            <a:r>
+              <a:rPr lang="ru-RU" dirty="0" smtClean="0"/>
+              <a:t>В проект можно добавить новые модели</a:t>
+            </a:r>
+          </a:p>
+          <a:p>
+            <a:r>
+              <a:rPr lang="ru-RU" dirty="0" smtClean="0"/>
+              <a:t>Можно углубить старые модели</a:t>
+            </a:r>
+          </a:p>
+          <a:p>
+            <a:r>
+              <a:rPr lang="ru-RU" dirty="0" smtClean="0"/>
+              <a:t>Можно добавить возможность вычисления параметров в </a:t>
+            </a:r>
+            <a:r>
+              <a:rPr lang="ru-RU" smtClean="0"/>
+              <a:t>момент времени</a:t>
+            </a:r>
+            <a:endParaRPr lang="ru-RU"/>
+          </a:p>
+        </p:txBody>
+      </p:sp>
+    </p:spTree>
+    <p:extLst>
+      <p:ext uri="{BB962C8B-B14F-4D97-AF65-F5344CB8AC3E}">
+        <p14:creationId xmlns:p14="http://schemas.microsoft.com/office/powerpoint/2010/main" val="576125339"/>
+      </p:ext>
+    </p:extLst>
+  </p:cSld>
+  <p:clrMapOvr>
+    <a:masterClrMapping/>
+  </p:clrMapOvr>
+</p:sld>
+</file>
+
+<file path=ppt/slides/slide2.xml><?xml version="1.0" encoding="utf-8"?>
+<p:sld xmlns:a="http://schemas.openxmlformats.org/drawingml/2006/main" xmlns:r="http://schemas.openxmlformats.org/officeDocument/2006/relationships" xmlns:p="http://schemas.openxmlformats.org/presentationml/2006/main">
+  <p:cSld>
+    <p:spTree>
+      <p:nvGrpSpPr>
+        <p:cNvPr id="1" name=""/>
+        <p:cNvGrpSpPr/>
+        <p:nvPr/>
+      </p:nvGrpSpPr>
+      <p:grpSpPr>
+        <a:xfrm>
+          <a:off x="0" y="0"/>
+          <a:ext cx="0" cy="0"/>
+          <a:chOff x="0" y="0"/>
+          <a:chExt cx="0" cy="0"/>
+        </a:xfrm>
+      </p:grpSpPr>
+      <p:sp>
+        <p:nvSpPr>
+          <p:cNvPr id="2" name="Заголовок 1"/>
+          <p:cNvSpPr>
+            <a:spLocks noGrp="1"/>
+          </p:cNvSpPr>
+          <p:nvPr>
+            <p:ph type="title"/>
+          </p:nvPr>
+        </p:nvSpPr>
+        <p:spPr/>
+        <p:txBody>
+          <a:bodyPr/>
+          <a:lstStyle/>
+          <a:p>
+            <a:r>
+              <a:rPr lang="ru-RU" dirty="0" smtClean="0"/>
+              <a:t>Проблема</a:t>
+            </a:r>
+            <a:endParaRPr lang="ru-RU" dirty="0"/>
+          </a:p>
+        </p:txBody>
+      </p:sp>
+      <p:sp>
+        <p:nvSpPr>
+          <p:cNvPr id="3" name="Объект 2"/>
+          <p:cNvSpPr>
+            <a:spLocks noGrp="1"/>
+          </p:cNvSpPr>
+          <p:nvPr>
+            <p:ph idx="1"/>
+          </p:nvPr>
+        </p:nvSpPr>
+        <p:spPr>
+          <a:xfrm>
+            <a:off x="838200" y="1825625"/>
+            <a:ext cx="6467475" cy="955675"/>
+          </a:xfrm>
+        </p:spPr>
+        <p:txBody>
+          <a:bodyPr>
+            <a:normAutofit lnSpcReduction="10000"/>
+          </a:bodyPr>
+          <a:lstStyle/>
+          <a:p>
+            <a:r>
+              <a:rPr lang="ru-RU" dirty="0" smtClean="0"/>
+              <a:t>Для обучения 8 класса нужны модели</a:t>
+            </a:r>
+          </a:p>
+          <a:p>
+            <a:r>
+              <a:rPr lang="ru-RU" dirty="0" smtClean="0"/>
+              <a:t>Пример:</a:t>
+            </a:r>
+            <a:endParaRPr lang="ru-RU" dirty="0"/>
+          </a:p>
+        </p:txBody>
+      </p:sp>
+      <p:pic>
+        <p:nvPicPr>
+          <p:cNvPr id="4" name="Рисунок 3"/>
+          <p:cNvPicPr>
+            <a:picLocks noChangeAspect="1"/>
+          </p:cNvPicPr>
+          <p:nvPr/>
+        </p:nvPicPr>
+        <p:blipFill>
+          <a:blip r:embed="rId2">
+            <a:extLst>
+              <a:ext uri="{28A0092B-C50C-407E-A947-70E740481C1C}">
+                <a14:useLocalDpi xmlns:a14="http://schemas.microsoft.com/office/drawing/2010/main" val="0"/>
+              </a:ext>
+            </a:extLst>
+          </a:blip>
+          <a:stretch>
+            <a:fillRect/>
+          </a:stretch>
+        </p:blipFill>
+        <p:spPr>
+          <a:xfrm>
+            <a:off x="1171575" y="2781300"/>
+            <a:ext cx="4105023" cy="3234056"/>
+          </a:xfrm>
+          <a:prstGeom prst="rect">
+            <a:avLst/>
+          </a:prstGeom>
+        </p:spPr>
+      </p:pic>
+      <p:sp>
+        <p:nvSpPr>
+          <p:cNvPr id="5" name="TextBox 4"/>
+          <p:cNvSpPr txBox="1"/>
+          <p:nvPr/>
+        </p:nvSpPr>
+        <p:spPr>
+          <a:xfrm>
+            <a:off x="894602" y="6016943"/>
+            <a:ext cx="4658968" cy="369332"/>
+          </a:xfrm>
+          <a:prstGeom prst="rect">
+            <a:avLst/>
+          </a:prstGeom>
+          <a:noFill/>
+        </p:spPr>
+        <p:txBody>
+          <a:bodyPr wrap="none" rtlCol="0">
+            <a:spAutoFit/>
+          </a:bodyPr>
+          <a:lstStyle/>
+          <a:p>
+            <a:r>
+              <a:rPr lang="ru-RU" dirty="0" smtClean="0"/>
+              <a:t>Игра жизнь которую АЖ нам давал в 8 классе</a:t>
+            </a:r>
+            <a:endParaRPr lang="ru-RU" dirty="0"/>
+          </a:p>
+        </p:txBody>
+      </p:sp>
+    </p:spTree>
+    <p:extLst>
+      <p:ext uri="{BB962C8B-B14F-4D97-AF65-F5344CB8AC3E}">
+        <p14:creationId xmlns:p14="http://schemas.microsoft.com/office/powerpoint/2010/main" val="4013033425"/>
+      </p:ext>
+    </p:extLst>
+  </p:cSld>
+  <p:clrMapOvr>
+    <a:masterClrMapping/>
+  </p:clrMapOvr>
+</p:sld>
+</file>
+
+<file path=ppt/slides/slide3.xml><?xml version="1.0" encoding="utf-8"?>
+<p:sld xmlns:a="http://schemas.openxmlformats.org/drawingml/2006/main" xmlns:r="http://schemas.openxmlformats.org/officeDocument/2006/relationships" xmlns:p="http://schemas.openxmlformats.org/presentationml/2006/main">
+  <p:cSld>
+    <p:spTree>
+      <p:nvGrpSpPr>
+        <p:cNvPr id="1" name=""/>
+        <p:cNvGrpSpPr/>
+        <p:nvPr/>
+      </p:nvGrpSpPr>
+      <p:grpSpPr>
+        <a:xfrm>
+          <a:off x="0" y="0"/>
+          <a:ext cx="0" cy="0"/>
+          <a:chOff x="0" y="0"/>
+          <a:chExt cx="0" cy="0"/>
+        </a:xfrm>
+      </p:grpSpPr>
+      <p:sp>
+        <p:nvSpPr>
+          <p:cNvPr id="2" name="Заголовок 1"/>
+          <p:cNvSpPr>
+            <a:spLocks noGrp="1"/>
+          </p:cNvSpPr>
+          <p:nvPr>
+            <p:ph type="title"/>
+          </p:nvPr>
+        </p:nvSpPr>
+        <p:spPr/>
+        <p:txBody>
+          <a:bodyPr/>
+          <a:lstStyle/>
+          <a:p>
+            <a:r>
+              <a:rPr lang="ru-RU" dirty="0" smtClean="0"/>
+              <a:t>Варианты решения</a:t>
+            </a:r>
+            <a:endParaRPr lang="ru-RU" dirty="0"/>
+          </a:p>
+        </p:txBody>
+      </p:sp>
+      <p:sp>
+        <p:nvSpPr>
+          <p:cNvPr id="3" name="Объект 2"/>
+          <p:cNvSpPr>
+            <a:spLocks noGrp="1"/>
+          </p:cNvSpPr>
+          <p:nvPr>
+            <p:ph idx="1"/>
+          </p:nvPr>
+        </p:nvSpPr>
+        <p:spPr/>
+        <p:txBody>
+          <a:bodyPr/>
+          <a:lstStyle/>
+          <a:p>
+            <a:r>
+              <a:rPr lang="ru-RU" dirty="0" smtClean="0"/>
+              <a:t>Создать одну </a:t>
+            </a:r>
+            <a:r>
+              <a:rPr lang="ru-RU" dirty="0" err="1" smtClean="0"/>
+              <a:t>прогу</a:t>
+            </a:r>
+            <a:r>
+              <a:rPr lang="ru-RU" dirty="0" smtClean="0"/>
+              <a:t> которая станет примером для 8</a:t>
+            </a:r>
+          </a:p>
+          <a:p>
+            <a:r>
+              <a:rPr lang="ru-RU" dirty="0" smtClean="0"/>
+              <a:t>Найти несколько разных моделей и нормально их описать</a:t>
+            </a:r>
+          </a:p>
+          <a:p>
+            <a:endParaRPr lang="ru-RU" dirty="0"/>
+          </a:p>
+        </p:txBody>
+      </p:sp>
+    </p:spTree>
+    <p:extLst>
+      <p:ext uri="{BB962C8B-B14F-4D97-AF65-F5344CB8AC3E}">
+        <p14:creationId xmlns:p14="http://schemas.microsoft.com/office/powerpoint/2010/main" val="162212360"/>
+      </p:ext>
+    </p:extLst>
+  </p:cSld>
+  <p:clrMapOvr>
+    <a:masterClrMapping/>
+  </p:clrMapOvr>
+</p:sld>
+</file>
+
+<file path=ppt/slides/slide4.xml><?xml version="1.0" encoding="utf-8"?>
+<p:sld xmlns:a="http://schemas.openxmlformats.org/drawingml/2006/main" xmlns:r="http://schemas.openxmlformats.org/officeDocument/2006/relationships" xmlns:p="http://schemas.openxmlformats.org/presentationml/2006/main">
+  <p:cSld>
+    <p:spTree>
+      <p:nvGrpSpPr>
+        <p:cNvPr id="1" name=""/>
+        <p:cNvGrpSpPr/>
+        <p:nvPr/>
+      </p:nvGrpSpPr>
+      <p:grpSpPr>
+        <a:xfrm>
+          <a:off x="0" y="0"/>
+          <a:ext cx="0" cy="0"/>
+          <a:chOff x="0" y="0"/>
+          <a:chExt cx="0" cy="0"/>
+        </a:xfrm>
+      </p:grpSpPr>
+      <p:sp>
+        <p:nvSpPr>
+          <p:cNvPr id="2" name="Заголовок 1"/>
+          <p:cNvSpPr>
+            <a:spLocks noGrp="1"/>
+          </p:cNvSpPr>
+          <p:nvPr>
+            <p:ph type="title"/>
+          </p:nvPr>
+        </p:nvSpPr>
+        <p:spPr/>
+        <p:txBody>
+          <a:bodyPr/>
+          <a:lstStyle/>
+          <a:p>
+            <a:r>
+              <a:rPr lang="ru-RU" dirty="0" smtClean="0"/>
+              <a:t>Аналоги</a:t>
+            </a:r>
+            <a:endParaRPr lang="ru-RU" dirty="0"/>
+          </a:p>
+        </p:txBody>
+      </p:sp>
+      <p:sp>
+        <p:nvSpPr>
+          <p:cNvPr id="3" name="Объект 2"/>
+          <p:cNvSpPr>
+            <a:spLocks noGrp="1"/>
+          </p:cNvSpPr>
+          <p:nvPr>
+            <p:ph idx="1"/>
+          </p:nvPr>
+        </p:nvSpPr>
+        <p:spPr>
+          <a:xfrm>
+            <a:off x="838200" y="1825625"/>
+            <a:ext cx="1905000" cy="517525"/>
+          </a:xfrm>
+        </p:spPr>
+        <p:txBody>
+          <a:bodyPr/>
+          <a:lstStyle/>
+          <a:p>
+            <a:r>
+              <a:rPr lang="en-US" dirty="0" err="1" smtClean="0"/>
+              <a:t>StartFlow</a:t>
+            </a:r>
+            <a:endParaRPr lang="ru-RU" dirty="0"/>
+          </a:p>
+        </p:txBody>
+      </p:sp>
+      <p:pic>
+        <p:nvPicPr>
+          <p:cNvPr id="4" name="Рисунок 3"/>
+          <p:cNvPicPr>
+            <a:picLocks noChangeAspect="1"/>
+          </p:cNvPicPr>
+          <p:nvPr/>
+        </p:nvPicPr>
+        <p:blipFill>
+          <a:blip r:embed="rId2">
+            <a:extLst>
+              <a:ext uri="{28A0092B-C50C-407E-A947-70E740481C1C}">
+                <a14:useLocalDpi xmlns:a14="http://schemas.microsoft.com/office/drawing/2010/main" val="0"/>
+              </a:ext>
+            </a:extLst>
+          </a:blip>
+          <a:stretch>
+            <a:fillRect/>
+          </a:stretch>
+        </p:blipFill>
+        <p:spPr>
+          <a:xfrm>
+            <a:off x="838200" y="2343150"/>
+            <a:ext cx="2162477" cy="3296110"/>
+          </a:xfrm>
+          <a:prstGeom prst="rect">
+            <a:avLst/>
+          </a:prstGeom>
+        </p:spPr>
+      </p:pic>
+      <p:sp>
+        <p:nvSpPr>
+          <p:cNvPr id="5" name="TextBox 4"/>
+          <p:cNvSpPr txBox="1"/>
+          <p:nvPr/>
+        </p:nvSpPr>
+        <p:spPr>
+          <a:xfrm>
+            <a:off x="2994571" y="2343150"/>
+            <a:ext cx="7787196" cy="369332"/>
+          </a:xfrm>
+          <a:prstGeom prst="rect">
+            <a:avLst/>
+          </a:prstGeom>
+          <a:noFill/>
+        </p:spPr>
+        <p:txBody>
+          <a:bodyPr wrap="none" rtlCol="0">
+            <a:spAutoFit/>
+          </a:bodyPr>
+          <a:lstStyle/>
+          <a:p>
+            <a:r>
+              <a:rPr lang="en-US" dirty="0" err="1" smtClean="0"/>
+              <a:t>StartFlow</a:t>
+            </a:r>
+            <a:r>
+              <a:rPr lang="en-US" dirty="0" smtClean="0"/>
+              <a:t> </a:t>
+            </a:r>
+            <a:r>
+              <a:rPr lang="ru-RU" dirty="0" smtClean="0"/>
+              <a:t>содержит в себе достаточно много различных физических моделей</a:t>
+            </a:r>
+            <a:endParaRPr lang="ru-RU" dirty="0"/>
+          </a:p>
+        </p:txBody>
+      </p:sp>
+      <p:pic>
+        <p:nvPicPr>
+          <p:cNvPr id="6" name="Рисунок 5"/>
+          <p:cNvPicPr>
+            <a:picLocks noChangeAspect="1"/>
+          </p:cNvPicPr>
+          <p:nvPr/>
+        </p:nvPicPr>
+        <p:blipFill>
+          <a:blip r:embed="rId3">
+            <a:extLst>
+              <a:ext uri="{28A0092B-C50C-407E-A947-70E740481C1C}">
+                <a14:useLocalDpi xmlns:a14="http://schemas.microsoft.com/office/drawing/2010/main" val="0"/>
+              </a:ext>
+            </a:extLst>
+          </a:blip>
+          <a:stretch>
+            <a:fillRect/>
+          </a:stretch>
+        </p:blipFill>
+        <p:spPr>
+          <a:xfrm>
+            <a:off x="6373209" y="3364944"/>
+            <a:ext cx="4980591" cy="3493056"/>
+          </a:xfrm>
+          <a:prstGeom prst="rect">
+            <a:avLst/>
+          </a:prstGeom>
+        </p:spPr>
+      </p:pic>
+      <p:sp>
+        <p:nvSpPr>
+          <p:cNvPr id="7" name="TextBox 6"/>
+          <p:cNvSpPr txBox="1"/>
+          <p:nvPr/>
+        </p:nvSpPr>
+        <p:spPr>
+          <a:xfrm>
+            <a:off x="6373209" y="2995612"/>
+            <a:ext cx="5005794" cy="369332"/>
+          </a:xfrm>
+          <a:prstGeom prst="rect">
+            <a:avLst/>
+          </a:prstGeom>
+          <a:noFill/>
+        </p:spPr>
+        <p:txBody>
+          <a:bodyPr wrap="none" rtlCol="0">
+            <a:spAutoFit/>
+          </a:bodyPr>
+          <a:lstStyle/>
+          <a:p>
+            <a:r>
+              <a:rPr lang="ru-RU" dirty="0" smtClean="0"/>
+              <a:t>Модель полета снаряда от указанного источника</a:t>
+            </a:r>
+            <a:endParaRPr lang="ru-RU" dirty="0"/>
+          </a:p>
+        </p:txBody>
+      </p:sp>
+    </p:spTree>
+    <p:extLst>
+      <p:ext uri="{BB962C8B-B14F-4D97-AF65-F5344CB8AC3E}">
+        <p14:creationId xmlns:p14="http://schemas.microsoft.com/office/powerpoint/2010/main" val="3650558314"/>
+      </p:ext>
+    </p:extLst>
+  </p:cSld>
+  <p:clrMapOvr>
+    <a:masterClrMapping/>
+  </p:clrMapOvr>
+</p:sld>
+</file>
+
+<file path=ppt/slides/slide5.xml><?xml version="1.0" encoding="utf-8"?>
+<p:sld xmlns:a="http://schemas.openxmlformats.org/drawingml/2006/main" xmlns:r="http://schemas.openxmlformats.org/officeDocument/2006/relationships" xmlns:p="http://schemas.openxmlformats.org/presentationml/2006/main">
+  <p:cSld>
+    <p:spTree>
+      <p:nvGrpSpPr>
+        <p:cNvPr id="1" name=""/>
+        <p:cNvGrpSpPr/>
+        <p:nvPr/>
+      </p:nvGrpSpPr>
+      <p:grpSpPr>
+        <a:xfrm>
+          <a:off x="0" y="0"/>
+          <a:ext cx="0" cy="0"/>
+          <a:chOff x="0" y="0"/>
+          <a:chExt cx="0" cy="0"/>
+        </a:xfrm>
+      </p:grpSpPr>
+      <p:sp>
+        <p:nvSpPr>
+          <p:cNvPr id="2" name="Заголовок 1"/>
+          <p:cNvSpPr>
+            <a:spLocks noGrp="1"/>
+          </p:cNvSpPr>
+          <p:nvPr>
+            <p:ph type="title"/>
+          </p:nvPr>
+        </p:nvSpPr>
+        <p:spPr/>
+        <p:txBody>
+          <a:bodyPr/>
+          <a:lstStyle/>
+          <a:p>
+            <a:r>
+              <a:rPr lang="ru-RU" dirty="0" smtClean="0"/>
+              <a:t>Отличия моего решения</a:t>
+            </a:r>
+            <a:endParaRPr lang="ru-RU" dirty="0"/>
+          </a:p>
+        </p:txBody>
+      </p:sp>
+      <p:sp>
+        <p:nvSpPr>
+          <p:cNvPr id="3" name="Объект 2"/>
+          <p:cNvSpPr>
+            <a:spLocks noGrp="1"/>
+          </p:cNvSpPr>
+          <p:nvPr>
+            <p:ph idx="1"/>
+          </p:nvPr>
+        </p:nvSpPr>
+        <p:spPr/>
+        <p:txBody>
+          <a:bodyPr/>
+          <a:lstStyle/>
+          <a:p>
+            <a:r>
+              <a:rPr lang="ru-RU" dirty="0" smtClean="0"/>
+              <a:t>Возможность изменять начальную скорость объекта</a:t>
+            </a:r>
+          </a:p>
+          <a:p>
+            <a:r>
+              <a:rPr lang="ru-RU" dirty="0" smtClean="0"/>
+              <a:t>Возможность </a:t>
+            </a:r>
+            <a:r>
+              <a:rPr lang="ru-RU" dirty="0" err="1" smtClean="0"/>
+              <a:t>отрисовки</a:t>
+            </a:r>
+            <a:r>
+              <a:rPr lang="ru-RU" dirty="0" smtClean="0"/>
+              <a:t> нескольких графиков в 1 </a:t>
+            </a:r>
+            <a:r>
+              <a:rPr lang="ru-RU" dirty="0" smtClean="0"/>
+              <a:t>окне</a:t>
+            </a:r>
+          </a:p>
+          <a:p>
+            <a:r>
+              <a:rPr lang="ru-RU" dirty="0" smtClean="0"/>
+              <a:t>При </a:t>
+            </a:r>
+            <a:r>
+              <a:rPr lang="ru-RU" dirty="0" smtClean="0"/>
+              <a:t>запуске программы не вылезает ошибка</a:t>
+            </a:r>
+          </a:p>
+          <a:p>
+            <a:r>
+              <a:rPr lang="ru-RU" dirty="0" smtClean="0"/>
+              <a:t>Можно настраивать интерфейс из пользовательского окна </a:t>
+            </a:r>
+            <a:r>
+              <a:rPr lang="ru-RU" dirty="0" smtClean="0"/>
+              <a:t>(цвет </a:t>
+            </a:r>
+            <a:r>
+              <a:rPr lang="ru-RU" dirty="0" smtClean="0"/>
+              <a:t>графика)</a:t>
+            </a:r>
+          </a:p>
+          <a:p>
+            <a:r>
+              <a:rPr lang="ru-RU" dirty="0" smtClean="0"/>
+              <a:t>Можно сохранять данные в файл и позже считывать их из </a:t>
+            </a:r>
+            <a:r>
+              <a:rPr lang="ru-RU" dirty="0" smtClean="0"/>
+              <a:t>него, что позволяет сохранять удачные параметры а не запоминать их</a:t>
+            </a:r>
+            <a:endParaRPr lang="ru-RU" dirty="0"/>
+          </a:p>
+        </p:txBody>
+      </p:sp>
+    </p:spTree>
+    <p:extLst>
+      <p:ext uri="{BB962C8B-B14F-4D97-AF65-F5344CB8AC3E}">
+        <p14:creationId xmlns:p14="http://schemas.microsoft.com/office/powerpoint/2010/main" val="1826437292"/>
+      </p:ext>
+    </p:extLst>
+  </p:cSld>
+  <p:clrMapOvr>
+    <a:masterClrMapping/>
+  </p:clrMapOvr>
+</p:sld>
+</file>
+
+<file path=ppt/slides/slide6.xml><?xml version="1.0" encoding="utf-8"?>
+<p:sld xmlns:a="http://schemas.openxmlformats.org/drawingml/2006/main" xmlns:r="http://schemas.openxmlformats.org/officeDocument/2006/relationships" xmlns:p="http://schemas.openxmlformats.org/presentationml/2006/main">
+  <p:cSld>
+    <p:spTree>
+      <p:nvGrpSpPr>
+        <p:cNvPr id="1" name=""/>
+        <p:cNvGrpSpPr/>
+        <p:nvPr/>
+      </p:nvGrpSpPr>
+      <p:grpSpPr>
+        <a:xfrm>
+          <a:off x="0" y="0"/>
+          <a:ext cx="0" cy="0"/>
+          <a:chOff x="0" y="0"/>
+          <a:chExt cx="0" cy="0"/>
+        </a:xfrm>
+      </p:grpSpPr>
+      <p:sp>
+        <p:nvSpPr>
+          <p:cNvPr id="2" name="Заголовок 1"/>
+          <p:cNvSpPr>
+            <a:spLocks noGrp="1"/>
+          </p:cNvSpPr>
+          <p:nvPr>
+            <p:ph type="title"/>
+          </p:nvPr>
+        </p:nvSpPr>
+        <p:spPr/>
+        <p:txBody>
+          <a:bodyPr/>
+          <a:lstStyle/>
+          <a:p>
+            <a:r>
+              <a:rPr lang="ru-RU" dirty="0" smtClean="0"/>
+              <a:t>Инструментарий</a:t>
+            </a:r>
+            <a:endParaRPr lang="ru-RU" dirty="0"/>
+          </a:p>
+        </p:txBody>
+      </p:sp>
+      <p:sp>
+        <p:nvSpPr>
+          <p:cNvPr id="3" name="Объект 2"/>
+          <p:cNvSpPr>
+            <a:spLocks noGrp="1"/>
+          </p:cNvSpPr>
+          <p:nvPr>
+            <p:ph idx="1"/>
+          </p:nvPr>
+        </p:nvSpPr>
+        <p:spPr/>
+        <p:txBody>
+          <a:bodyPr/>
+          <a:lstStyle/>
+          <a:p>
+            <a:r>
+              <a:rPr lang="ru-RU" dirty="0" smtClean="0"/>
+              <a:t>Т.к. в будущем эту модель должен делать 8 класс как задание, то язык программирования – </a:t>
+            </a:r>
+            <a:r>
+              <a:rPr lang="en-US" dirty="0" smtClean="0"/>
+              <a:t>Pascal.</a:t>
+            </a:r>
+            <a:endParaRPr lang="ru-RU" dirty="0"/>
+          </a:p>
+          <a:p>
+            <a:r>
+              <a:rPr lang="ru-RU" dirty="0" smtClean="0"/>
+              <a:t>Для удобства создания интерфейса использовалась </a:t>
+            </a:r>
+            <a:r>
+              <a:rPr lang="en-US" dirty="0" smtClean="0"/>
+              <a:t>Delphi 7</a:t>
+            </a:r>
+            <a:endParaRPr lang="ru-RU" dirty="0"/>
+          </a:p>
+        </p:txBody>
+      </p:sp>
+    </p:spTree>
+    <p:extLst>
+      <p:ext uri="{BB962C8B-B14F-4D97-AF65-F5344CB8AC3E}">
+        <p14:creationId xmlns:p14="http://schemas.microsoft.com/office/powerpoint/2010/main" val="3542928067"/>
+      </p:ext>
+    </p:extLst>
+  </p:cSld>
+  <p:clrMapOvr>
+    <a:masterClrMapping/>
+  </p:clrMapOvr>
+</p:sld>
+</file>
+
+<file path=ppt/slides/slide7.xml><?xml version="1.0" encoding="utf-8"?>
+<p:sld xmlns:a="http://schemas.openxmlformats.org/drawingml/2006/main" xmlns:r="http://schemas.openxmlformats.org/officeDocument/2006/relationships" xmlns:p="http://schemas.openxmlformats.org/presentationml/2006/main">
+  <p:cSld>
+    <p:spTree>
+      <p:nvGrpSpPr>
+        <p:cNvPr id="1" name=""/>
+        <p:cNvGrpSpPr/>
+        <p:nvPr/>
+      </p:nvGrpSpPr>
+      <p:grpSpPr>
+        <a:xfrm>
+          <a:off x="0" y="0"/>
+          <a:ext cx="0" cy="0"/>
+          <a:chOff x="0" y="0"/>
+          <a:chExt cx="0" cy="0"/>
+        </a:xfrm>
+      </p:grpSpPr>
+      <p:sp>
+        <p:nvSpPr>
+          <p:cNvPr id="2" name="Заголовок 1"/>
+          <p:cNvSpPr>
+            <a:spLocks noGrp="1"/>
+          </p:cNvSpPr>
+          <p:nvPr>
+            <p:ph type="title"/>
+          </p:nvPr>
+        </p:nvSpPr>
+        <p:spPr/>
+        <p:txBody>
+          <a:bodyPr/>
+          <a:lstStyle/>
+          <a:p>
+            <a:r>
+              <a:rPr lang="ru-RU" dirty="0" smtClean="0"/>
+              <a:t>Режимы работы</a:t>
+            </a:r>
+            <a:endParaRPr lang="ru-RU" dirty="0"/>
+          </a:p>
+        </p:txBody>
+      </p:sp>
+      <p:sp>
+        <p:nvSpPr>
+          <p:cNvPr id="3" name="Объект 2"/>
+          <p:cNvSpPr>
+            <a:spLocks noGrp="1"/>
+          </p:cNvSpPr>
+          <p:nvPr>
+            <p:ph idx="1"/>
+          </p:nvPr>
+        </p:nvSpPr>
+        <p:spPr/>
+        <p:txBody>
+          <a:bodyPr/>
+          <a:lstStyle/>
+          <a:p>
+            <a:r>
+              <a:rPr lang="ru-RU" dirty="0" smtClean="0"/>
+              <a:t>Пользователь вводит запрошенные от него данные (на выбор: считывание из файла </a:t>
+            </a:r>
+            <a:r>
+              <a:rPr lang="en-US" dirty="0" smtClean="0"/>
+              <a:t>.</a:t>
+            </a:r>
+            <a:r>
+              <a:rPr lang="en-US" dirty="0" err="1" smtClean="0"/>
+              <a:t>ini</a:t>
+            </a:r>
+            <a:r>
+              <a:rPr lang="en-US" dirty="0" smtClean="0"/>
+              <a:t> </a:t>
+            </a:r>
+            <a:r>
+              <a:rPr lang="ru-RU" dirty="0" smtClean="0"/>
+              <a:t>или ввод в программе)</a:t>
+            </a:r>
+          </a:p>
+          <a:p>
+            <a:r>
+              <a:rPr lang="ru-RU" dirty="0" smtClean="0"/>
+              <a:t>При нажатии на кнопку </a:t>
+            </a:r>
+            <a:r>
+              <a:rPr lang="en-US" dirty="0" smtClean="0"/>
+              <a:t>“</a:t>
+            </a:r>
+            <a:r>
+              <a:rPr lang="ru-RU" dirty="0" smtClean="0"/>
+              <a:t>Нарисовать</a:t>
+            </a:r>
+            <a:r>
+              <a:rPr lang="en-US" dirty="0" smtClean="0"/>
+              <a:t>”</a:t>
+            </a:r>
+            <a:r>
+              <a:rPr lang="ru-RU" dirty="0" smtClean="0"/>
+              <a:t> </a:t>
+            </a:r>
+            <a:r>
+              <a:rPr lang="ru-RU" dirty="0" smtClean="0"/>
+              <a:t>выводится график или рисунок модели (в зависимости от модели)</a:t>
+            </a:r>
+          </a:p>
+          <a:p>
+            <a:r>
+              <a:rPr lang="ru-RU" dirty="0" smtClean="0"/>
+              <a:t>По желанию пользователь может изменить цвет </a:t>
+            </a:r>
+            <a:r>
+              <a:rPr lang="ru-RU" dirty="0" smtClean="0"/>
+              <a:t>графика который будет нарисован</a:t>
+            </a:r>
+          </a:p>
+          <a:p>
+            <a:r>
+              <a:rPr lang="ru-RU" dirty="0" smtClean="0"/>
+              <a:t>На случай непредвиденной ошибки или переполнения окна сделана кнопка «Стереть все графики»</a:t>
+            </a:r>
+            <a:endParaRPr lang="ru-RU" dirty="0" smtClean="0"/>
+          </a:p>
+        </p:txBody>
+      </p:sp>
+    </p:spTree>
+    <p:extLst>
+      <p:ext uri="{BB962C8B-B14F-4D97-AF65-F5344CB8AC3E}">
+        <p14:creationId xmlns:p14="http://schemas.microsoft.com/office/powerpoint/2010/main" val="1445142536"/>
+      </p:ext>
+    </p:extLst>
+  </p:cSld>
+  <p:clrMapOvr>
+    <a:masterClrMapping/>
+  </p:clrMapOvr>
+</p:sld>
+</file>
+
+<file path=ppt/slides/slide8.xml><?xml version="1.0" encoding="utf-8"?>
+<p:sld xmlns:a="http://schemas.openxmlformats.org/drawingml/2006/main" xmlns:r="http://schemas.openxmlformats.org/officeDocument/2006/relationships" xmlns:p="http://schemas.openxmlformats.org/presentationml/2006/main">
+  <p:cSld>
+    <p:spTree>
+      <p:nvGrpSpPr>
+        <p:cNvPr id="1" name=""/>
+        <p:cNvGrpSpPr/>
+        <p:nvPr/>
+      </p:nvGrpSpPr>
+      <p:grpSpPr>
+        <a:xfrm>
+          <a:off x="0" y="0"/>
+          <a:ext cx="0" cy="0"/>
+          <a:chOff x="0" y="0"/>
+          <a:chExt cx="0" cy="0"/>
+        </a:xfrm>
+      </p:grpSpPr>
+      <p:sp>
+        <p:nvSpPr>
+          <p:cNvPr id="2" name="Заголовок 1"/>
+          <p:cNvSpPr>
+            <a:spLocks noGrp="1"/>
+          </p:cNvSpPr>
+          <p:nvPr>
+            <p:ph type="title"/>
+          </p:nvPr>
+        </p:nvSpPr>
+        <p:spPr/>
+        <p:txBody>
+          <a:bodyPr/>
+          <a:lstStyle/>
+          <a:p>
+            <a:r>
+              <a:rPr lang="ru-RU" dirty="0" smtClean="0"/>
+              <a:t>Ключевые моменты</a:t>
+            </a:r>
+            <a:endParaRPr lang="ru-RU" dirty="0"/>
+          </a:p>
+        </p:txBody>
+      </p:sp>
+      <p:sp>
+        <p:nvSpPr>
+          <p:cNvPr id="6" name="TextBox 5"/>
+          <p:cNvSpPr txBox="1"/>
+          <p:nvPr/>
+        </p:nvSpPr>
+        <p:spPr>
+          <a:xfrm>
+            <a:off x="838200" y="5829300"/>
+            <a:ext cx="1678665" cy="369332"/>
+          </a:xfrm>
+          <a:prstGeom prst="rect">
+            <a:avLst/>
+          </a:prstGeom>
+          <a:noFill/>
+        </p:spPr>
+        <p:txBody>
+          <a:bodyPr wrap="none" rtlCol="0">
+            <a:spAutoFit/>
+          </a:bodyPr>
+          <a:lstStyle/>
+          <a:p>
+            <a:r>
+              <a:rPr lang="ru-RU" dirty="0" smtClean="0"/>
+              <a:t>Основное окно</a:t>
+            </a:r>
+            <a:endParaRPr lang="ru-RU" dirty="0"/>
+          </a:p>
+        </p:txBody>
+      </p:sp>
+      <p:pic>
+        <p:nvPicPr>
+          <p:cNvPr id="4" name="Рисунок 3"/>
+          <p:cNvPicPr>
+            <a:picLocks noChangeAspect="1"/>
+          </p:cNvPicPr>
+          <p:nvPr/>
+        </p:nvPicPr>
+        <p:blipFill>
+          <a:blip r:embed="rId2">
+            <a:extLst>
+              <a:ext uri="{28A0092B-C50C-407E-A947-70E740481C1C}">
+                <a14:useLocalDpi xmlns:a14="http://schemas.microsoft.com/office/drawing/2010/main" val="0"/>
+              </a:ext>
+            </a:extLst>
+          </a:blip>
+          <a:stretch>
+            <a:fillRect/>
+          </a:stretch>
+        </p:blipFill>
+        <p:spPr>
+          <a:xfrm>
+            <a:off x="838200" y="1690688"/>
+            <a:ext cx="7365328" cy="4138612"/>
+          </a:xfrm>
+          <a:prstGeom prst="rect">
+            <a:avLst/>
+          </a:prstGeom>
+        </p:spPr>
+      </p:pic>
+      <p:pic>
+        <p:nvPicPr>
+          <p:cNvPr id="9" name="Рисунок 8"/>
+          <p:cNvPicPr>
+            <a:picLocks noChangeAspect="1"/>
+          </p:cNvPicPr>
+          <p:nvPr/>
+        </p:nvPicPr>
+        <p:blipFill>
+          <a:blip r:embed="rId3">
+            <a:extLst>
+              <a:ext uri="{28A0092B-C50C-407E-A947-70E740481C1C}">
+                <a14:useLocalDpi xmlns:a14="http://schemas.microsoft.com/office/drawing/2010/main" val="0"/>
+              </a:ext>
+            </a:extLst>
+          </a:blip>
+          <a:stretch>
+            <a:fillRect/>
+          </a:stretch>
+        </p:blipFill>
+        <p:spPr>
+          <a:xfrm>
+            <a:off x="8606218" y="1690688"/>
+            <a:ext cx="3343275" cy="3095625"/>
+          </a:xfrm>
+          <a:prstGeom prst="rect">
+            <a:avLst/>
+          </a:prstGeom>
+        </p:spPr>
+      </p:pic>
+      <p:sp>
+        <p:nvSpPr>
+          <p:cNvPr id="10" name="TextBox 9"/>
+          <p:cNvSpPr txBox="1"/>
+          <p:nvPr/>
+        </p:nvSpPr>
+        <p:spPr>
+          <a:xfrm>
+            <a:off x="8606218" y="4786313"/>
+            <a:ext cx="3734805" cy="369332"/>
+          </a:xfrm>
+          <a:prstGeom prst="rect">
+            <a:avLst/>
+          </a:prstGeom>
+          <a:noFill/>
+        </p:spPr>
+        <p:txBody>
+          <a:bodyPr wrap="none" rtlCol="0">
+            <a:spAutoFit/>
+          </a:bodyPr>
+          <a:lstStyle/>
+          <a:p>
+            <a:r>
+              <a:rPr lang="ru-RU" dirty="0" smtClean="0"/>
+              <a:t>Окно ввода для конкретной модели</a:t>
+            </a:r>
+            <a:endParaRPr lang="ru-RU" dirty="0"/>
+          </a:p>
+        </p:txBody>
+      </p:sp>
+    </p:spTree>
+    <p:extLst>
+      <p:ext uri="{BB962C8B-B14F-4D97-AF65-F5344CB8AC3E}">
+        <p14:creationId xmlns:p14="http://schemas.microsoft.com/office/powerpoint/2010/main" val="1188486088"/>
+      </p:ext>
+    </p:extLst>
+  </p:cSld>
+  <p:clrMapOvr>
+    <a:masterClrMapping/>
+  </p:clrMapOvr>
+</p:sld>
+</file>
+
+<file path=ppt/slides/slide9.xml><?xml version="1.0" encoding="utf-8"?>
+<p:sld xmlns:a="http://schemas.openxmlformats.org/drawingml/2006/main" xmlns:r="http://schemas.openxmlformats.org/officeDocument/2006/relationships" xmlns:p="http://schemas.openxmlformats.org/presentationml/2006/main">
+  <p:cSld>
+    <p:spTree>
+      <p:nvGrpSpPr>
+        <p:cNvPr id="1" name=""/>
+        <p:cNvGrpSpPr/>
+        <p:nvPr/>
+      </p:nvGrpSpPr>
+      <p:grpSpPr>
+        <a:xfrm>
+          <a:off x="0" y="0"/>
+          <a:ext cx="0" cy="0"/>
+          <a:chOff x="0" y="0"/>
+          <a:chExt cx="0" cy="0"/>
+        </a:xfrm>
+      </p:grpSpPr>
+      <p:sp>
+        <p:nvSpPr>
+          <p:cNvPr id="2" name="Заголовок 1"/>
+          <p:cNvSpPr>
+            <a:spLocks noGrp="1"/>
+          </p:cNvSpPr>
+          <p:nvPr>
+            <p:ph type="title"/>
+          </p:nvPr>
+        </p:nvSpPr>
+        <p:spPr/>
+        <p:txBody>
+          <a:bodyPr/>
+          <a:lstStyle/>
+          <a:p>
+            <a:r>
               <a:rPr lang="en-US" dirty="0" smtClean="0"/>
               <a:t>GitHub</a:t>
             </a:r>
@@ -3247,1189 +4314,6 @@
     <p:extLst>
       <p:ext uri="{BB962C8B-B14F-4D97-AF65-F5344CB8AC3E}">
         <p14:creationId xmlns:p14="http://schemas.microsoft.com/office/powerpoint/2010/main" val="2496714777"/>
-      </p:ext>
-    </p:extLst>
-  </p:cSld>
-  <p:clrMapOvr>
-    <a:masterClrMapping/>
-  </p:clrMapOvr>
-</p:sld>
-</file>
-
-<file path=ppt/slides/slide11.xml><?xml version="1.0" encoding="utf-8"?>
-<p:sld xmlns:a="http://schemas.openxmlformats.org/drawingml/2006/main" xmlns:r="http://schemas.openxmlformats.org/officeDocument/2006/relationships" xmlns:p="http://schemas.openxmlformats.org/presentationml/2006/main">
-  <p:cSld>
-    <p:spTree>
-      <p:nvGrpSpPr>
-        <p:cNvPr id="1" name=""/>
-        <p:cNvGrpSpPr/>
-        <p:nvPr/>
-      </p:nvGrpSpPr>
-      <p:grpSpPr>
-        <a:xfrm>
-          <a:off x="0" y="0"/>
-          <a:ext cx="0" cy="0"/>
-          <a:chOff x="0" y="0"/>
-          <a:chExt cx="0" cy="0"/>
-        </a:xfrm>
-      </p:grpSpPr>
-      <p:sp>
-        <p:nvSpPr>
-          <p:cNvPr id="2" name="Заголовок 1"/>
-          <p:cNvSpPr>
-            <a:spLocks noGrp="1"/>
-          </p:cNvSpPr>
-          <p:nvPr>
-            <p:ph type="title"/>
-          </p:nvPr>
-        </p:nvSpPr>
-        <p:spPr/>
-        <p:txBody>
-          <a:bodyPr/>
-          <a:lstStyle/>
-          <a:p>
-            <a:r>
-              <a:rPr lang="ru-RU" dirty="0" smtClean="0"/>
-              <a:t>Дальнейшее развитие проекта</a:t>
-            </a:r>
-            <a:endParaRPr lang="ru-RU" dirty="0"/>
-          </a:p>
-        </p:txBody>
-      </p:sp>
-      <p:sp>
-        <p:nvSpPr>
-          <p:cNvPr id="3" name="Объект 2"/>
-          <p:cNvSpPr>
-            <a:spLocks noGrp="1"/>
-          </p:cNvSpPr>
-          <p:nvPr>
-            <p:ph idx="1"/>
-          </p:nvPr>
-        </p:nvSpPr>
-        <p:spPr/>
-        <p:txBody>
-          <a:bodyPr/>
-          <a:lstStyle/>
-          <a:p>
-            <a:r>
-              <a:rPr lang="ru-RU" dirty="0" smtClean="0"/>
-              <a:t>В проект можно добавить новые модели</a:t>
-            </a:r>
-          </a:p>
-          <a:p>
-            <a:r>
-              <a:rPr lang="ru-RU" dirty="0" smtClean="0"/>
-              <a:t>Можно углубить старые модели</a:t>
-            </a:r>
-          </a:p>
-          <a:p>
-            <a:r>
-              <a:rPr lang="ru-RU" dirty="0" smtClean="0"/>
-              <a:t>Можно добавить возможность вычисления параметров в </a:t>
-            </a:r>
-            <a:r>
-              <a:rPr lang="ru-RU" smtClean="0"/>
-              <a:t>момент времени</a:t>
-            </a:r>
-            <a:endParaRPr lang="ru-RU"/>
-          </a:p>
-        </p:txBody>
-      </p:sp>
-    </p:spTree>
-    <p:extLst>
-      <p:ext uri="{BB962C8B-B14F-4D97-AF65-F5344CB8AC3E}">
-        <p14:creationId xmlns:p14="http://schemas.microsoft.com/office/powerpoint/2010/main" val="576125339"/>
-      </p:ext>
-    </p:extLst>
-  </p:cSld>
-  <p:clrMapOvr>
-    <a:masterClrMapping/>
-  </p:clrMapOvr>
-</p:sld>
-</file>
-
-<file path=ppt/slides/slide2.xml><?xml version="1.0" encoding="utf-8"?>
-<p:sld xmlns:a="http://schemas.openxmlformats.org/drawingml/2006/main" xmlns:r="http://schemas.openxmlformats.org/officeDocument/2006/relationships" xmlns:p="http://schemas.openxmlformats.org/presentationml/2006/main">
-  <p:cSld>
-    <p:spTree>
-      <p:nvGrpSpPr>
-        <p:cNvPr id="1" name=""/>
-        <p:cNvGrpSpPr/>
-        <p:nvPr/>
-      </p:nvGrpSpPr>
-      <p:grpSpPr>
-        <a:xfrm>
-          <a:off x="0" y="0"/>
-          <a:ext cx="0" cy="0"/>
-          <a:chOff x="0" y="0"/>
-          <a:chExt cx="0" cy="0"/>
-        </a:xfrm>
-      </p:grpSpPr>
-      <p:sp>
-        <p:nvSpPr>
-          <p:cNvPr id="2" name="Заголовок 1"/>
-          <p:cNvSpPr>
-            <a:spLocks noGrp="1"/>
-          </p:cNvSpPr>
-          <p:nvPr>
-            <p:ph type="title"/>
-          </p:nvPr>
-        </p:nvSpPr>
-        <p:spPr/>
-        <p:txBody>
-          <a:bodyPr/>
-          <a:lstStyle/>
-          <a:p>
-            <a:r>
-              <a:rPr lang="ru-RU" dirty="0" smtClean="0"/>
-              <a:t>Проблема</a:t>
-            </a:r>
-            <a:endParaRPr lang="ru-RU" dirty="0"/>
-          </a:p>
-        </p:txBody>
-      </p:sp>
-      <p:sp>
-        <p:nvSpPr>
-          <p:cNvPr id="3" name="Объект 2"/>
-          <p:cNvSpPr>
-            <a:spLocks noGrp="1"/>
-          </p:cNvSpPr>
-          <p:nvPr>
-            <p:ph idx="1"/>
-          </p:nvPr>
-        </p:nvSpPr>
-        <p:spPr>
-          <a:xfrm>
-            <a:off x="838200" y="1825625"/>
-            <a:ext cx="6467475" cy="955675"/>
-          </a:xfrm>
-        </p:spPr>
-        <p:txBody>
-          <a:bodyPr>
-            <a:normAutofit lnSpcReduction="10000"/>
-          </a:bodyPr>
-          <a:lstStyle/>
-          <a:p>
-            <a:r>
-              <a:rPr lang="ru-RU" dirty="0" smtClean="0"/>
-              <a:t>Для обучения 8 класса нужны модели</a:t>
-            </a:r>
-          </a:p>
-          <a:p>
-            <a:r>
-              <a:rPr lang="ru-RU" dirty="0" smtClean="0"/>
-              <a:t>Пример:</a:t>
-            </a:r>
-            <a:endParaRPr lang="ru-RU" dirty="0"/>
-          </a:p>
-        </p:txBody>
-      </p:sp>
-      <p:pic>
-        <p:nvPicPr>
-          <p:cNvPr id="4" name="Рисунок 3"/>
-          <p:cNvPicPr>
-            <a:picLocks noChangeAspect="1"/>
-          </p:cNvPicPr>
-          <p:nvPr/>
-        </p:nvPicPr>
-        <p:blipFill>
-          <a:blip r:embed="rId2">
-            <a:extLst>
-              <a:ext uri="{28A0092B-C50C-407E-A947-70E740481C1C}">
-                <a14:useLocalDpi xmlns:a14="http://schemas.microsoft.com/office/drawing/2010/main" val="0"/>
-              </a:ext>
-            </a:extLst>
-          </a:blip>
-          <a:stretch>
-            <a:fillRect/>
-          </a:stretch>
-        </p:blipFill>
-        <p:spPr>
-          <a:xfrm>
-            <a:off x="1171575" y="2781300"/>
-            <a:ext cx="4105023" cy="3234056"/>
-          </a:xfrm>
-          <a:prstGeom prst="rect">
-            <a:avLst/>
-          </a:prstGeom>
-        </p:spPr>
-      </p:pic>
-      <p:sp>
-        <p:nvSpPr>
-          <p:cNvPr id="5" name="TextBox 4"/>
-          <p:cNvSpPr txBox="1"/>
-          <p:nvPr/>
-        </p:nvSpPr>
-        <p:spPr>
-          <a:xfrm>
-            <a:off x="894602" y="6016943"/>
-            <a:ext cx="4658968" cy="369332"/>
-          </a:xfrm>
-          <a:prstGeom prst="rect">
-            <a:avLst/>
-          </a:prstGeom>
-          <a:noFill/>
-        </p:spPr>
-        <p:txBody>
-          <a:bodyPr wrap="none" rtlCol="0">
-            <a:spAutoFit/>
-          </a:bodyPr>
-          <a:lstStyle/>
-          <a:p>
-            <a:r>
-              <a:rPr lang="ru-RU" dirty="0" smtClean="0"/>
-              <a:t>Игра жизнь которую АЖ нам давал в 8 классе</a:t>
-            </a:r>
-            <a:endParaRPr lang="ru-RU" dirty="0"/>
-          </a:p>
-        </p:txBody>
-      </p:sp>
-    </p:spTree>
-    <p:extLst>
-      <p:ext uri="{BB962C8B-B14F-4D97-AF65-F5344CB8AC3E}">
-        <p14:creationId xmlns:p14="http://schemas.microsoft.com/office/powerpoint/2010/main" val="4013033425"/>
-      </p:ext>
-    </p:extLst>
-  </p:cSld>
-  <p:clrMapOvr>
-    <a:masterClrMapping/>
-  </p:clrMapOvr>
-</p:sld>
-</file>
-
-<file path=ppt/slides/slide3.xml><?xml version="1.0" encoding="utf-8"?>
-<p:sld xmlns:a="http://schemas.openxmlformats.org/drawingml/2006/main" xmlns:r="http://schemas.openxmlformats.org/officeDocument/2006/relationships" xmlns:p="http://schemas.openxmlformats.org/presentationml/2006/main">
-  <p:cSld>
-    <p:spTree>
-      <p:nvGrpSpPr>
-        <p:cNvPr id="1" name=""/>
-        <p:cNvGrpSpPr/>
-        <p:nvPr/>
-      </p:nvGrpSpPr>
-      <p:grpSpPr>
-        <a:xfrm>
-          <a:off x="0" y="0"/>
-          <a:ext cx="0" cy="0"/>
-          <a:chOff x="0" y="0"/>
-          <a:chExt cx="0" cy="0"/>
-        </a:xfrm>
-      </p:grpSpPr>
-      <p:sp>
-        <p:nvSpPr>
-          <p:cNvPr id="2" name="Заголовок 1"/>
-          <p:cNvSpPr>
-            <a:spLocks noGrp="1"/>
-          </p:cNvSpPr>
-          <p:nvPr>
-            <p:ph type="title"/>
-          </p:nvPr>
-        </p:nvSpPr>
-        <p:spPr/>
-        <p:txBody>
-          <a:bodyPr/>
-          <a:lstStyle/>
-          <a:p>
-            <a:r>
-              <a:rPr lang="ru-RU" dirty="0" smtClean="0"/>
-              <a:t>Варианты решения</a:t>
-            </a:r>
-            <a:endParaRPr lang="ru-RU" dirty="0"/>
-          </a:p>
-        </p:txBody>
-      </p:sp>
-      <p:sp>
-        <p:nvSpPr>
-          <p:cNvPr id="3" name="Объект 2"/>
-          <p:cNvSpPr>
-            <a:spLocks noGrp="1"/>
-          </p:cNvSpPr>
-          <p:nvPr>
-            <p:ph idx="1"/>
-          </p:nvPr>
-        </p:nvSpPr>
-        <p:spPr/>
-        <p:txBody>
-          <a:bodyPr/>
-          <a:lstStyle/>
-          <a:p>
-            <a:r>
-              <a:rPr lang="ru-RU" dirty="0" smtClean="0"/>
-              <a:t>Создать одну </a:t>
-            </a:r>
-            <a:r>
-              <a:rPr lang="ru-RU" dirty="0" err="1" smtClean="0"/>
-              <a:t>прогу</a:t>
-            </a:r>
-            <a:r>
-              <a:rPr lang="ru-RU" dirty="0" smtClean="0"/>
-              <a:t> которая станет примером для 8</a:t>
-            </a:r>
-          </a:p>
-          <a:p>
-            <a:r>
-              <a:rPr lang="ru-RU" dirty="0" smtClean="0"/>
-              <a:t>Найти несколько разных моделей и нормально их описать</a:t>
-            </a:r>
-          </a:p>
-          <a:p>
-            <a:endParaRPr lang="ru-RU" dirty="0"/>
-          </a:p>
-        </p:txBody>
-      </p:sp>
-    </p:spTree>
-    <p:extLst>
-      <p:ext uri="{BB962C8B-B14F-4D97-AF65-F5344CB8AC3E}">
-        <p14:creationId xmlns:p14="http://schemas.microsoft.com/office/powerpoint/2010/main" val="162212360"/>
-      </p:ext>
-    </p:extLst>
-  </p:cSld>
-  <p:clrMapOvr>
-    <a:masterClrMapping/>
-  </p:clrMapOvr>
-</p:sld>
-</file>
-
-<file path=ppt/slides/slide4.xml><?xml version="1.0" encoding="utf-8"?>
-<p:sld xmlns:a="http://schemas.openxmlformats.org/drawingml/2006/main" xmlns:r="http://schemas.openxmlformats.org/officeDocument/2006/relationships" xmlns:p="http://schemas.openxmlformats.org/presentationml/2006/main">
-  <p:cSld>
-    <p:spTree>
-      <p:nvGrpSpPr>
-        <p:cNvPr id="1" name=""/>
-        <p:cNvGrpSpPr/>
-        <p:nvPr/>
-      </p:nvGrpSpPr>
-      <p:grpSpPr>
-        <a:xfrm>
-          <a:off x="0" y="0"/>
-          <a:ext cx="0" cy="0"/>
-          <a:chOff x="0" y="0"/>
-          <a:chExt cx="0" cy="0"/>
-        </a:xfrm>
-      </p:grpSpPr>
-      <p:sp>
-        <p:nvSpPr>
-          <p:cNvPr id="2" name="Заголовок 1"/>
-          <p:cNvSpPr>
-            <a:spLocks noGrp="1"/>
-          </p:cNvSpPr>
-          <p:nvPr>
-            <p:ph type="title"/>
-          </p:nvPr>
-        </p:nvSpPr>
-        <p:spPr/>
-        <p:txBody>
-          <a:bodyPr/>
-          <a:lstStyle/>
-          <a:p>
-            <a:r>
-              <a:rPr lang="ru-RU" dirty="0" smtClean="0"/>
-              <a:t>Аналоги</a:t>
-            </a:r>
-            <a:endParaRPr lang="ru-RU" dirty="0"/>
-          </a:p>
-        </p:txBody>
-      </p:sp>
-      <p:sp>
-        <p:nvSpPr>
-          <p:cNvPr id="3" name="Объект 2"/>
-          <p:cNvSpPr>
-            <a:spLocks noGrp="1"/>
-          </p:cNvSpPr>
-          <p:nvPr>
-            <p:ph idx="1"/>
-          </p:nvPr>
-        </p:nvSpPr>
-        <p:spPr>
-          <a:xfrm>
-            <a:off x="838200" y="1825625"/>
-            <a:ext cx="1905000" cy="517525"/>
-          </a:xfrm>
-        </p:spPr>
-        <p:txBody>
-          <a:bodyPr/>
-          <a:lstStyle/>
-          <a:p>
-            <a:r>
-              <a:rPr lang="en-US" dirty="0" err="1" smtClean="0"/>
-              <a:t>StartFlow</a:t>
-            </a:r>
-            <a:endParaRPr lang="ru-RU" dirty="0"/>
-          </a:p>
-        </p:txBody>
-      </p:sp>
-      <p:pic>
-        <p:nvPicPr>
-          <p:cNvPr id="4" name="Рисунок 3"/>
-          <p:cNvPicPr>
-            <a:picLocks noChangeAspect="1"/>
-          </p:cNvPicPr>
-          <p:nvPr/>
-        </p:nvPicPr>
-        <p:blipFill>
-          <a:blip r:embed="rId2">
-            <a:extLst>
-              <a:ext uri="{28A0092B-C50C-407E-A947-70E740481C1C}">
-                <a14:useLocalDpi xmlns:a14="http://schemas.microsoft.com/office/drawing/2010/main" val="0"/>
-              </a:ext>
-            </a:extLst>
-          </a:blip>
-          <a:stretch>
-            <a:fillRect/>
-          </a:stretch>
-        </p:blipFill>
-        <p:spPr>
-          <a:xfrm>
-            <a:off x="838200" y="2343150"/>
-            <a:ext cx="2162477" cy="3296110"/>
-          </a:xfrm>
-          <a:prstGeom prst="rect">
-            <a:avLst/>
-          </a:prstGeom>
-        </p:spPr>
-      </p:pic>
-      <p:sp>
-        <p:nvSpPr>
-          <p:cNvPr id="5" name="TextBox 4"/>
-          <p:cNvSpPr txBox="1"/>
-          <p:nvPr/>
-        </p:nvSpPr>
-        <p:spPr>
-          <a:xfrm>
-            <a:off x="2994571" y="2343150"/>
-            <a:ext cx="7787196" cy="369332"/>
-          </a:xfrm>
-          <a:prstGeom prst="rect">
-            <a:avLst/>
-          </a:prstGeom>
-          <a:noFill/>
-        </p:spPr>
-        <p:txBody>
-          <a:bodyPr wrap="none" rtlCol="0">
-            <a:spAutoFit/>
-          </a:bodyPr>
-          <a:lstStyle/>
-          <a:p>
-            <a:r>
-              <a:rPr lang="en-US" dirty="0" err="1" smtClean="0"/>
-              <a:t>StartFlow</a:t>
-            </a:r>
-            <a:r>
-              <a:rPr lang="en-US" dirty="0" smtClean="0"/>
-              <a:t> </a:t>
-            </a:r>
-            <a:r>
-              <a:rPr lang="ru-RU" dirty="0" smtClean="0"/>
-              <a:t>содержит в себе достаточно много различных физических моделей</a:t>
-            </a:r>
-            <a:endParaRPr lang="ru-RU" dirty="0"/>
-          </a:p>
-        </p:txBody>
-      </p:sp>
-      <p:pic>
-        <p:nvPicPr>
-          <p:cNvPr id="6" name="Рисунок 5"/>
-          <p:cNvPicPr>
-            <a:picLocks noChangeAspect="1"/>
-          </p:cNvPicPr>
-          <p:nvPr/>
-        </p:nvPicPr>
-        <p:blipFill>
-          <a:blip r:embed="rId3">
-            <a:extLst>
-              <a:ext uri="{28A0092B-C50C-407E-A947-70E740481C1C}">
-                <a14:useLocalDpi xmlns:a14="http://schemas.microsoft.com/office/drawing/2010/main" val="0"/>
-              </a:ext>
-            </a:extLst>
-          </a:blip>
-          <a:stretch>
-            <a:fillRect/>
-          </a:stretch>
-        </p:blipFill>
-        <p:spPr>
-          <a:xfrm>
-            <a:off x="6373209" y="3364944"/>
-            <a:ext cx="4980591" cy="3493056"/>
-          </a:xfrm>
-          <a:prstGeom prst="rect">
-            <a:avLst/>
-          </a:prstGeom>
-        </p:spPr>
-      </p:pic>
-      <p:sp>
-        <p:nvSpPr>
-          <p:cNvPr id="7" name="TextBox 6"/>
-          <p:cNvSpPr txBox="1"/>
-          <p:nvPr/>
-        </p:nvSpPr>
-        <p:spPr>
-          <a:xfrm>
-            <a:off x="6373209" y="2995612"/>
-            <a:ext cx="5005794" cy="369332"/>
-          </a:xfrm>
-          <a:prstGeom prst="rect">
-            <a:avLst/>
-          </a:prstGeom>
-          <a:noFill/>
-        </p:spPr>
-        <p:txBody>
-          <a:bodyPr wrap="none" rtlCol="0">
-            <a:spAutoFit/>
-          </a:bodyPr>
-          <a:lstStyle/>
-          <a:p>
-            <a:r>
-              <a:rPr lang="ru-RU" dirty="0" smtClean="0"/>
-              <a:t>Модель полета снаряда от указанного источника</a:t>
-            </a:r>
-            <a:endParaRPr lang="ru-RU" dirty="0"/>
-          </a:p>
-        </p:txBody>
-      </p:sp>
-    </p:spTree>
-    <p:extLst>
-      <p:ext uri="{BB962C8B-B14F-4D97-AF65-F5344CB8AC3E}">
-        <p14:creationId xmlns:p14="http://schemas.microsoft.com/office/powerpoint/2010/main" val="3650558314"/>
-      </p:ext>
-    </p:extLst>
-  </p:cSld>
-  <p:clrMapOvr>
-    <a:masterClrMapping/>
-  </p:clrMapOvr>
-</p:sld>
-</file>
-
-<file path=ppt/slides/slide5.xml><?xml version="1.0" encoding="utf-8"?>
-<p:sld xmlns:a="http://schemas.openxmlformats.org/drawingml/2006/main" xmlns:r="http://schemas.openxmlformats.org/officeDocument/2006/relationships" xmlns:p="http://schemas.openxmlformats.org/presentationml/2006/main">
-  <p:cSld>
-    <p:spTree>
-      <p:nvGrpSpPr>
-        <p:cNvPr id="1" name=""/>
-        <p:cNvGrpSpPr/>
-        <p:nvPr/>
-      </p:nvGrpSpPr>
-      <p:grpSpPr>
-        <a:xfrm>
-          <a:off x="0" y="0"/>
-          <a:ext cx="0" cy="0"/>
-          <a:chOff x="0" y="0"/>
-          <a:chExt cx="0" cy="0"/>
-        </a:xfrm>
-      </p:grpSpPr>
-      <p:sp>
-        <p:nvSpPr>
-          <p:cNvPr id="2" name="Заголовок 1"/>
-          <p:cNvSpPr>
-            <a:spLocks noGrp="1"/>
-          </p:cNvSpPr>
-          <p:nvPr>
-            <p:ph type="title"/>
-          </p:nvPr>
-        </p:nvSpPr>
-        <p:spPr/>
-        <p:txBody>
-          <a:bodyPr/>
-          <a:lstStyle/>
-          <a:p>
-            <a:r>
-              <a:rPr lang="ru-RU" dirty="0" smtClean="0"/>
-              <a:t>Отличия моего решения</a:t>
-            </a:r>
-            <a:endParaRPr lang="ru-RU" dirty="0"/>
-          </a:p>
-        </p:txBody>
-      </p:sp>
-      <p:sp>
-        <p:nvSpPr>
-          <p:cNvPr id="3" name="Объект 2"/>
-          <p:cNvSpPr>
-            <a:spLocks noGrp="1"/>
-          </p:cNvSpPr>
-          <p:nvPr>
-            <p:ph idx="1"/>
-          </p:nvPr>
-        </p:nvSpPr>
-        <p:spPr/>
-        <p:txBody>
-          <a:bodyPr/>
-          <a:lstStyle/>
-          <a:p>
-            <a:r>
-              <a:rPr lang="ru-RU" dirty="0" smtClean="0"/>
-              <a:t>Возможность изменять начальную скорость объекта</a:t>
-            </a:r>
-          </a:p>
-          <a:p>
-            <a:r>
-              <a:rPr lang="ru-RU" dirty="0" smtClean="0"/>
-              <a:t>Возможность </a:t>
-            </a:r>
-            <a:r>
-              <a:rPr lang="ru-RU" dirty="0" err="1" smtClean="0"/>
-              <a:t>отрисовки</a:t>
-            </a:r>
-            <a:r>
-              <a:rPr lang="ru-RU" dirty="0" smtClean="0"/>
-              <a:t> нескольких графиков в 1 окне</a:t>
-            </a:r>
-          </a:p>
-          <a:p>
-            <a:r>
-              <a:rPr lang="ru-RU" dirty="0" smtClean="0"/>
-              <a:t>Модели с похожей сутью (обычное падение тела) включены в 1 программу</a:t>
-            </a:r>
-          </a:p>
-          <a:p>
-            <a:r>
-              <a:rPr lang="ru-RU" dirty="0" smtClean="0"/>
-              <a:t>При запуске программы не вылезает ошибка</a:t>
-            </a:r>
-          </a:p>
-          <a:p>
-            <a:r>
-              <a:rPr lang="ru-RU" dirty="0" smtClean="0"/>
-              <a:t>Можно настраивать интерфейс из пользовательского окна (размер шрифта, цвет графика)</a:t>
-            </a:r>
-          </a:p>
-          <a:p>
-            <a:r>
-              <a:rPr lang="ru-RU" dirty="0" smtClean="0"/>
-              <a:t>Можно сохранять данные в файл и позже считывать их из него</a:t>
-            </a:r>
-            <a:endParaRPr lang="ru-RU" dirty="0"/>
-          </a:p>
-        </p:txBody>
-      </p:sp>
-    </p:spTree>
-    <p:extLst>
-      <p:ext uri="{BB962C8B-B14F-4D97-AF65-F5344CB8AC3E}">
-        <p14:creationId xmlns:p14="http://schemas.microsoft.com/office/powerpoint/2010/main" val="1826437292"/>
-      </p:ext>
-    </p:extLst>
-  </p:cSld>
-  <p:clrMapOvr>
-    <a:masterClrMapping/>
-  </p:clrMapOvr>
-</p:sld>
-</file>
-
-<file path=ppt/slides/slide6.xml><?xml version="1.0" encoding="utf-8"?>
-<p:sld xmlns:a="http://schemas.openxmlformats.org/drawingml/2006/main" xmlns:r="http://schemas.openxmlformats.org/officeDocument/2006/relationships" xmlns:p="http://schemas.openxmlformats.org/presentationml/2006/main">
-  <p:cSld>
-    <p:spTree>
-      <p:nvGrpSpPr>
-        <p:cNvPr id="1" name=""/>
-        <p:cNvGrpSpPr/>
-        <p:nvPr/>
-      </p:nvGrpSpPr>
-      <p:grpSpPr>
-        <a:xfrm>
-          <a:off x="0" y="0"/>
-          <a:ext cx="0" cy="0"/>
-          <a:chOff x="0" y="0"/>
-          <a:chExt cx="0" cy="0"/>
-        </a:xfrm>
-      </p:grpSpPr>
-      <p:sp>
-        <p:nvSpPr>
-          <p:cNvPr id="2" name="Заголовок 1"/>
-          <p:cNvSpPr>
-            <a:spLocks noGrp="1"/>
-          </p:cNvSpPr>
-          <p:nvPr>
-            <p:ph type="title"/>
-          </p:nvPr>
-        </p:nvSpPr>
-        <p:spPr/>
-        <p:txBody>
-          <a:bodyPr/>
-          <a:lstStyle/>
-          <a:p>
-            <a:r>
-              <a:rPr lang="ru-RU" dirty="0" smtClean="0"/>
-              <a:t>Инструментарий</a:t>
-            </a:r>
-            <a:endParaRPr lang="ru-RU" dirty="0"/>
-          </a:p>
-        </p:txBody>
-      </p:sp>
-      <p:sp>
-        <p:nvSpPr>
-          <p:cNvPr id="3" name="Объект 2"/>
-          <p:cNvSpPr>
-            <a:spLocks noGrp="1"/>
-          </p:cNvSpPr>
-          <p:nvPr>
-            <p:ph idx="1"/>
-          </p:nvPr>
-        </p:nvSpPr>
-        <p:spPr/>
-        <p:txBody>
-          <a:bodyPr/>
-          <a:lstStyle/>
-          <a:p>
-            <a:r>
-              <a:rPr lang="ru-RU" dirty="0" smtClean="0"/>
-              <a:t>Т.к. в будущем эту модель должен делать 8 класс как задание, то язык программирования – </a:t>
-            </a:r>
-            <a:r>
-              <a:rPr lang="en-US" dirty="0" smtClean="0"/>
-              <a:t>Pascal.</a:t>
-            </a:r>
-            <a:endParaRPr lang="ru-RU" dirty="0"/>
-          </a:p>
-          <a:p>
-            <a:r>
-              <a:rPr lang="ru-RU" dirty="0" smtClean="0"/>
-              <a:t>Для удобства создания интерфейса использовалась </a:t>
-            </a:r>
-            <a:r>
-              <a:rPr lang="en-US" dirty="0" smtClean="0"/>
-              <a:t>Delphi 7</a:t>
-            </a:r>
-            <a:endParaRPr lang="ru-RU" dirty="0"/>
-          </a:p>
-        </p:txBody>
-      </p:sp>
-    </p:spTree>
-    <p:extLst>
-      <p:ext uri="{BB962C8B-B14F-4D97-AF65-F5344CB8AC3E}">
-        <p14:creationId xmlns:p14="http://schemas.microsoft.com/office/powerpoint/2010/main" val="3542928067"/>
-      </p:ext>
-    </p:extLst>
-  </p:cSld>
-  <p:clrMapOvr>
-    <a:masterClrMapping/>
-  </p:clrMapOvr>
-</p:sld>
-</file>
-
-<file path=ppt/slides/slide7.xml><?xml version="1.0" encoding="utf-8"?>
-<p:sld xmlns:a="http://schemas.openxmlformats.org/drawingml/2006/main" xmlns:r="http://schemas.openxmlformats.org/officeDocument/2006/relationships" xmlns:p="http://schemas.openxmlformats.org/presentationml/2006/main">
-  <p:cSld>
-    <p:spTree>
-      <p:nvGrpSpPr>
-        <p:cNvPr id="1" name=""/>
-        <p:cNvGrpSpPr/>
-        <p:nvPr/>
-      </p:nvGrpSpPr>
-      <p:grpSpPr>
-        <a:xfrm>
-          <a:off x="0" y="0"/>
-          <a:ext cx="0" cy="0"/>
-          <a:chOff x="0" y="0"/>
-          <a:chExt cx="0" cy="0"/>
-        </a:xfrm>
-      </p:grpSpPr>
-      <p:sp>
-        <p:nvSpPr>
-          <p:cNvPr id="2" name="Заголовок 1"/>
-          <p:cNvSpPr>
-            <a:spLocks noGrp="1"/>
-          </p:cNvSpPr>
-          <p:nvPr>
-            <p:ph type="title"/>
-          </p:nvPr>
-        </p:nvSpPr>
-        <p:spPr/>
-        <p:txBody>
-          <a:bodyPr/>
-          <a:lstStyle/>
-          <a:p>
-            <a:r>
-              <a:rPr lang="ru-RU" dirty="0" smtClean="0"/>
-              <a:t>Режимы работы</a:t>
-            </a:r>
-            <a:endParaRPr lang="ru-RU" dirty="0"/>
-          </a:p>
-        </p:txBody>
-      </p:sp>
-      <p:sp>
-        <p:nvSpPr>
-          <p:cNvPr id="3" name="Объект 2"/>
-          <p:cNvSpPr>
-            <a:spLocks noGrp="1"/>
-          </p:cNvSpPr>
-          <p:nvPr>
-            <p:ph idx="1"/>
-          </p:nvPr>
-        </p:nvSpPr>
-        <p:spPr/>
-        <p:txBody>
-          <a:bodyPr/>
-          <a:lstStyle/>
-          <a:p>
-            <a:r>
-              <a:rPr lang="ru-RU" dirty="0" smtClean="0"/>
-              <a:t>Пользователь вводит запрошенные от него данные (на выбор: считывание из файла </a:t>
-            </a:r>
-            <a:r>
-              <a:rPr lang="en-US" dirty="0" smtClean="0"/>
-              <a:t>.</a:t>
-            </a:r>
-            <a:r>
-              <a:rPr lang="en-US" dirty="0" err="1" smtClean="0"/>
-              <a:t>ini</a:t>
-            </a:r>
-            <a:r>
-              <a:rPr lang="en-US" dirty="0" smtClean="0"/>
-              <a:t> </a:t>
-            </a:r>
-            <a:r>
-              <a:rPr lang="ru-RU" dirty="0" smtClean="0"/>
-              <a:t>или ввод в программе)</a:t>
-            </a:r>
-          </a:p>
-          <a:p>
-            <a:r>
-              <a:rPr lang="ru-RU" dirty="0" smtClean="0"/>
-              <a:t>При нажатии на кнопку </a:t>
-            </a:r>
-            <a:r>
-              <a:rPr lang="en-US" dirty="0" smtClean="0"/>
-              <a:t>“</a:t>
-            </a:r>
-            <a:r>
-              <a:rPr lang="ru-RU" dirty="0" smtClean="0"/>
-              <a:t>Нарисовать график</a:t>
-            </a:r>
-            <a:r>
-              <a:rPr lang="en-US" dirty="0" smtClean="0"/>
-              <a:t>”</a:t>
-            </a:r>
-            <a:r>
-              <a:rPr lang="ru-RU" dirty="0" smtClean="0"/>
-              <a:t> выводится график или рисунок модели (в зависимости от модели)</a:t>
-            </a:r>
-          </a:p>
-          <a:p>
-            <a:r>
-              <a:rPr lang="ru-RU" dirty="0" smtClean="0"/>
-              <a:t>По желанию пользователь может изменить цвет последнего графика</a:t>
-            </a:r>
-          </a:p>
-          <a:p>
-            <a:r>
-              <a:rPr lang="ru-RU" dirty="0" smtClean="0"/>
-              <a:t>В нижней части интерфейса есть кнопки изменения шрифта для настройки программы под себя</a:t>
-            </a:r>
-            <a:endParaRPr lang="ru-RU" dirty="0"/>
-          </a:p>
-        </p:txBody>
-      </p:sp>
-    </p:spTree>
-    <p:extLst>
-      <p:ext uri="{BB962C8B-B14F-4D97-AF65-F5344CB8AC3E}">
-        <p14:creationId xmlns:p14="http://schemas.microsoft.com/office/powerpoint/2010/main" val="1445142536"/>
-      </p:ext>
-    </p:extLst>
-  </p:cSld>
-  <p:clrMapOvr>
-    <a:masterClrMapping/>
-  </p:clrMapOvr>
-</p:sld>
-</file>
-
-<file path=ppt/slides/slide8.xml><?xml version="1.0" encoding="utf-8"?>
-<p:sld xmlns:a="http://schemas.openxmlformats.org/drawingml/2006/main" xmlns:r="http://schemas.openxmlformats.org/officeDocument/2006/relationships" xmlns:p="http://schemas.openxmlformats.org/presentationml/2006/main">
-  <p:cSld>
-    <p:spTree>
-      <p:nvGrpSpPr>
-        <p:cNvPr id="1" name=""/>
-        <p:cNvGrpSpPr/>
-        <p:nvPr/>
-      </p:nvGrpSpPr>
-      <p:grpSpPr>
-        <a:xfrm>
-          <a:off x="0" y="0"/>
-          <a:ext cx="0" cy="0"/>
-          <a:chOff x="0" y="0"/>
-          <a:chExt cx="0" cy="0"/>
-        </a:xfrm>
-      </p:grpSpPr>
-      <p:sp>
-        <p:nvSpPr>
-          <p:cNvPr id="2" name="Заголовок 1"/>
-          <p:cNvSpPr>
-            <a:spLocks noGrp="1"/>
-          </p:cNvSpPr>
-          <p:nvPr>
-            <p:ph type="title"/>
-          </p:nvPr>
-        </p:nvSpPr>
-        <p:spPr/>
-        <p:txBody>
-          <a:bodyPr/>
-          <a:lstStyle/>
-          <a:p>
-            <a:r>
-              <a:rPr lang="ru-RU" dirty="0" smtClean="0"/>
-              <a:t>Ключевые моменты</a:t>
-            </a:r>
-            <a:endParaRPr lang="ru-RU" dirty="0"/>
-          </a:p>
-        </p:txBody>
-      </p:sp>
-      <p:pic>
-        <p:nvPicPr>
-          <p:cNvPr id="5" name="Объект 4"/>
-          <p:cNvPicPr>
-            <a:picLocks noGrp="1" noChangeAspect="1"/>
-          </p:cNvPicPr>
-          <p:nvPr>
-            <p:ph idx="1"/>
-          </p:nvPr>
-        </p:nvPicPr>
-        <p:blipFill>
-          <a:blip r:embed="rId2" cstate="print">
-            <a:extLst>
-              <a:ext uri="{28A0092B-C50C-407E-A947-70E740481C1C}">
-                <a14:useLocalDpi xmlns:a14="http://schemas.microsoft.com/office/drawing/2010/main" val="0"/>
-              </a:ext>
-            </a:extLst>
-          </a:blip>
-          <a:stretch>
-            <a:fillRect/>
-          </a:stretch>
-        </p:blipFill>
-        <p:spPr>
-          <a:xfrm>
-            <a:off x="838200" y="1597025"/>
-            <a:ext cx="7524044" cy="4232275"/>
-          </a:xfrm>
-        </p:spPr>
-      </p:pic>
-      <p:sp>
-        <p:nvSpPr>
-          <p:cNvPr id="6" name="TextBox 5"/>
-          <p:cNvSpPr txBox="1"/>
-          <p:nvPr/>
-        </p:nvSpPr>
-        <p:spPr>
-          <a:xfrm>
-            <a:off x="838200" y="5829300"/>
-            <a:ext cx="1678665" cy="369332"/>
-          </a:xfrm>
-          <a:prstGeom prst="rect">
-            <a:avLst/>
-          </a:prstGeom>
-          <a:noFill/>
-        </p:spPr>
-        <p:txBody>
-          <a:bodyPr wrap="none" rtlCol="0">
-            <a:spAutoFit/>
-          </a:bodyPr>
-          <a:lstStyle/>
-          <a:p>
-            <a:r>
-              <a:rPr lang="ru-RU" dirty="0" smtClean="0"/>
-              <a:t>Основное окно</a:t>
-            </a:r>
-            <a:endParaRPr lang="ru-RU" dirty="0"/>
-          </a:p>
-        </p:txBody>
-      </p:sp>
-      <p:pic>
-        <p:nvPicPr>
-          <p:cNvPr id="7" name="Рисунок 6"/>
-          <p:cNvPicPr>
-            <a:picLocks noChangeAspect="1"/>
-          </p:cNvPicPr>
-          <p:nvPr/>
-        </p:nvPicPr>
-        <p:blipFill>
-          <a:blip r:embed="rId3">
-            <a:extLst>
-              <a:ext uri="{28A0092B-C50C-407E-A947-70E740481C1C}">
-                <a14:useLocalDpi xmlns:a14="http://schemas.microsoft.com/office/drawing/2010/main" val="0"/>
-              </a:ext>
-            </a:extLst>
-          </a:blip>
-          <a:stretch>
-            <a:fillRect/>
-          </a:stretch>
-        </p:blipFill>
-        <p:spPr>
-          <a:xfrm>
-            <a:off x="8562542" y="1690689"/>
-            <a:ext cx="3138003" cy="4138612"/>
-          </a:xfrm>
-          <a:prstGeom prst="rect">
-            <a:avLst/>
-          </a:prstGeom>
-        </p:spPr>
-      </p:pic>
-      <p:sp>
-        <p:nvSpPr>
-          <p:cNvPr id="8" name="TextBox 7"/>
-          <p:cNvSpPr txBox="1"/>
-          <p:nvPr/>
-        </p:nvSpPr>
-        <p:spPr>
-          <a:xfrm>
-            <a:off x="8562542" y="5829300"/>
-            <a:ext cx="2692725" cy="369332"/>
-          </a:xfrm>
-          <a:prstGeom prst="rect">
-            <a:avLst/>
-          </a:prstGeom>
-          <a:noFill/>
-        </p:spPr>
-        <p:txBody>
-          <a:bodyPr wrap="none" rtlCol="0">
-            <a:spAutoFit/>
-          </a:bodyPr>
-          <a:lstStyle/>
-          <a:p>
-            <a:r>
-              <a:rPr lang="ru-RU" dirty="0" smtClean="0"/>
-              <a:t>График скорости падения</a:t>
-            </a:r>
-            <a:endParaRPr lang="ru-RU" dirty="0"/>
-          </a:p>
-        </p:txBody>
-      </p:sp>
-    </p:spTree>
-    <p:extLst>
-      <p:ext uri="{BB962C8B-B14F-4D97-AF65-F5344CB8AC3E}">
-        <p14:creationId xmlns:p14="http://schemas.microsoft.com/office/powerpoint/2010/main" val="1188486088"/>
-      </p:ext>
-    </p:extLst>
-  </p:cSld>
-  <p:clrMapOvr>
-    <a:masterClrMapping/>
-  </p:clrMapOvr>
-</p:sld>
-</file>
-
-<file path=ppt/slides/slide9.xml><?xml version="1.0" encoding="utf-8"?>
-<p:sld xmlns:a="http://schemas.openxmlformats.org/drawingml/2006/main" xmlns:r="http://schemas.openxmlformats.org/officeDocument/2006/relationships" xmlns:p="http://schemas.openxmlformats.org/presentationml/2006/main">
-  <p:cSld>
-    <p:spTree>
-      <p:nvGrpSpPr>
-        <p:cNvPr id="1" name=""/>
-        <p:cNvGrpSpPr/>
-        <p:nvPr/>
-      </p:nvGrpSpPr>
-      <p:grpSpPr>
-        <a:xfrm>
-          <a:off x="0" y="0"/>
-          <a:ext cx="0" cy="0"/>
-          <a:chOff x="0" y="0"/>
-          <a:chExt cx="0" cy="0"/>
-        </a:xfrm>
-      </p:grpSpPr>
-      <p:sp>
-        <p:nvSpPr>
-          <p:cNvPr id="2" name="Заголовок 1"/>
-          <p:cNvSpPr>
-            <a:spLocks noGrp="1"/>
-          </p:cNvSpPr>
-          <p:nvPr>
-            <p:ph type="title"/>
-          </p:nvPr>
-        </p:nvSpPr>
-        <p:spPr/>
-        <p:txBody>
-          <a:bodyPr/>
-          <a:lstStyle/>
-          <a:p>
-            <a:endParaRPr lang="ru-RU"/>
-          </a:p>
-        </p:txBody>
-      </p:sp>
-      <p:pic>
-        <p:nvPicPr>
-          <p:cNvPr id="4" name="Объект 3"/>
-          <p:cNvPicPr>
-            <a:picLocks noGrp="1" noChangeAspect="1"/>
-          </p:cNvPicPr>
-          <p:nvPr>
-            <p:ph idx="1"/>
-          </p:nvPr>
-        </p:nvPicPr>
-        <p:blipFill>
-          <a:blip r:embed="rId2">
-            <a:extLst>
-              <a:ext uri="{28A0092B-C50C-407E-A947-70E740481C1C}">
-                <a14:useLocalDpi xmlns:a14="http://schemas.microsoft.com/office/drawing/2010/main" val="0"/>
-              </a:ext>
-            </a:extLst>
-          </a:blip>
-          <a:stretch>
-            <a:fillRect/>
-          </a:stretch>
-        </p:blipFill>
-        <p:spPr>
-          <a:xfrm>
-            <a:off x="838200" y="365125"/>
-            <a:ext cx="7419975" cy="3949797"/>
-          </a:xfrm>
-        </p:spPr>
-      </p:pic>
-      <p:sp>
-        <p:nvSpPr>
-          <p:cNvPr id="5" name="TextBox 4"/>
-          <p:cNvSpPr txBox="1"/>
-          <p:nvPr/>
-        </p:nvSpPr>
-        <p:spPr>
-          <a:xfrm>
-            <a:off x="838200" y="4396840"/>
-            <a:ext cx="2195153" cy="369332"/>
-          </a:xfrm>
-          <a:prstGeom prst="rect">
-            <a:avLst/>
-          </a:prstGeom>
-          <a:noFill/>
-        </p:spPr>
-        <p:txBody>
-          <a:bodyPr wrap="none" rtlCol="0">
-            <a:spAutoFit/>
-          </a:bodyPr>
-          <a:lstStyle/>
-          <a:p>
-            <a:r>
-              <a:rPr lang="ru-RU" dirty="0" smtClean="0"/>
-              <a:t>Рисунок броска тела</a:t>
-            </a:r>
-            <a:endParaRPr lang="ru-RU" dirty="0"/>
-          </a:p>
-        </p:txBody>
-      </p:sp>
-      <p:pic>
-        <p:nvPicPr>
-          <p:cNvPr id="6" name="Рисунок 5"/>
-          <p:cNvPicPr>
-            <a:picLocks noChangeAspect="1"/>
-          </p:cNvPicPr>
-          <p:nvPr/>
-        </p:nvPicPr>
-        <p:blipFill>
-          <a:blip r:embed="rId3" cstate="print">
-            <a:extLst>
-              <a:ext uri="{28A0092B-C50C-407E-A947-70E740481C1C}">
-                <a14:useLocalDpi xmlns:a14="http://schemas.microsoft.com/office/drawing/2010/main" val="0"/>
-              </a:ext>
-            </a:extLst>
-          </a:blip>
-          <a:stretch>
-            <a:fillRect/>
-          </a:stretch>
-        </p:blipFill>
-        <p:spPr>
-          <a:xfrm>
-            <a:off x="7658100" y="4396840"/>
-            <a:ext cx="4533900" cy="2461159"/>
-          </a:xfrm>
-          <a:prstGeom prst="rect">
-            <a:avLst/>
-          </a:prstGeom>
-        </p:spPr>
-      </p:pic>
-    </p:spTree>
-    <p:extLst>
-      <p:ext uri="{BB962C8B-B14F-4D97-AF65-F5344CB8AC3E}">
-        <p14:creationId xmlns:p14="http://schemas.microsoft.com/office/powerpoint/2010/main" val="418600641"/>
       </p:ext>
     </p:extLst>
   </p:cSld>
